--- a/Project/Introduction/Project Overview.pptx
+++ b/Project/Introduction/Project Overview.pptx
@@ -3338,7 +3338,7 @@
         </p:nvSpPr>
         <p:spPr>
           <a:xfrm>
-            <a:off x="914279" y="2056005"/>
+            <a:off x="914279" y="1353271"/>
             <a:ext cx="2732270" cy="923330"/>
           </a:xfrm>
           <a:prstGeom prst="rect">
@@ -3378,7 +3378,7 @@
         </p:nvSpPr>
         <p:spPr>
           <a:xfrm>
-            <a:off x="914279" y="3103267"/>
+            <a:off x="914279" y="2400533"/>
             <a:ext cx="2732270" cy="923330"/>
           </a:xfrm>
           <a:prstGeom prst="rect">
@@ -3418,7 +3418,7 @@
         </p:nvSpPr>
         <p:spPr>
           <a:xfrm>
-            <a:off x="838200" y="4150529"/>
+            <a:off x="914279" y="3447795"/>
             <a:ext cx="2808349" cy="923330"/>
           </a:xfrm>
           <a:prstGeom prst="rect">
@@ -3474,6 +3474,36 @@
           <a:xfrm>
             <a:off x="5201860" y="1477108"/>
             <a:ext cx="6208163" cy="4826000"/>
+          </a:xfrm>
+          <a:prstGeom prst="rect">
+            <a:avLst/>
+          </a:prstGeom>
+        </p:spPr>
+      </p:pic>
+      <p:pic>
+        <p:nvPicPr>
+          <p:cNvPr id="3" name="Grafik 2"/>
+          <p:cNvPicPr>
+            <a:picLocks noChangeAspect="1"/>
+          </p:cNvPicPr>
+          <p:nvPr/>
+        </p:nvPicPr>
+        <p:blipFill>
+          <a:blip r:embed="rId3" cstate="print">
+            <a:extLst>
+              <a:ext uri="{28A0092B-C50C-407E-A947-70E740481C1C}">
+                <a14:useLocalDpi xmlns:a14="http://schemas.microsoft.com/office/drawing/2010/main" val="0"/>
+              </a:ext>
+            </a:extLst>
+          </a:blip>
+          <a:stretch>
+            <a:fillRect/>
+          </a:stretch>
+        </p:blipFill>
+        <p:spPr>
+          <a:xfrm>
+            <a:off x="744176" y="5114278"/>
+            <a:ext cx="3843455" cy="1188829"/>
           </a:xfrm>
           <a:prstGeom prst="rect">
             <a:avLst/>
